--- a/Two Weeks Notice.pptx
+++ b/Two Weeks Notice.pptx
@@ -2988,7 +2988,7 @@
           <p:nvPr/>
         </p:nvPicPr>
         <p:blipFill>
-          <a:blip r:embed="rId2">
+          <a:blip r:embed="rId2" cstate="print">
             <a:extLst>
               <a:ext uri="{28A0092B-C50C-407E-A947-70E740481C1C}">
                 <a14:useLocalDpi xmlns:a14="http://schemas.microsoft.com/office/drawing/2010/main" val="0"/>
@@ -4117,7 +4117,7 @@
         <p:spPr/>
         <p:txBody>
           <a:bodyPr>
-            <a:normAutofit lnSpcReduction="10000"/>
+            <a:normAutofit/>
           </a:bodyPr>
           <a:lstStyle/>
           <a:p>
@@ -4164,15 +4164,12 @@
           <a:p>
             <a:pPr lvl="1"/>
             <a:r>
-              <a:rPr lang="en-US" dirty="0"/>
-              <a:t>Fire people IRL</a:t>
-            </a:r>
-          </a:p>
-          <a:p>
-            <a:pPr lvl="1"/>
-            <a:r>
-              <a:rPr lang="en-US" dirty="0"/>
-              <a:t>Do not allow powers that be to decide language for you</a:t>
+              <a:rPr lang="en-US" dirty="0" smtClean="0"/>
+              <a:t>Do </a:t>
+            </a:r>
+            <a:r>
+              <a:rPr lang="en-US" dirty="0"/>
+              <a:t>not allow powers that be to decide language for you</a:t>
             </a:r>
           </a:p>
           <a:p>
